--- a/Docs/ForTheBlind/Visually Impaired Introduction.pptx
+++ b/Docs/ForTheBlind/Visually Impaired Introduction.pptx
@@ -216,7 +216,7 @@
           <a:p>
             <a:fld id="{656D2E9F-587F-4929-A615-D1B22C008AE4}" type="datetimeFigureOut">
               <a:rPr lang="en-US" smtClean="0"/>
-              <a:t>2/10/2023</a:t>
+              <a:t>4/16/2024</a:t>
             </a:fld>
             <a:endParaRPr lang="en-US" dirty="0"/>
           </a:p>
@@ -647,7 +647,7 @@
                 <a:tabLst/>
                 <a:defRPr/>
               </a:pPr>
-              <a:t>2/10/2023</a:t>
+              <a:t>4/16/2024</a:t>
             </a:fld>
             <a:endParaRPr kumimoji="0" lang="en-US" sz="1200" b="0" i="0" u="none" strike="noStrike" kern="1200" cap="none" spc="0" normalizeH="0" baseline="0" noProof="0" dirty="0">
               <a:ln>
@@ -1090,7 +1090,7 @@
           <a:p>
             <a:fld id="{A596092B-28C7-44D1-B902-5437B333DFB7}" type="datetime1">
               <a:rPr lang="en-US" smtClean="0"/>
-              <a:t>2/10/2023</a:t>
+              <a:t>4/16/2024</a:t>
             </a:fld>
             <a:endParaRPr lang="en-US" dirty="0"/>
           </a:p>
@@ -1318,7 +1318,7 @@
                 <a:tabLst/>
                 <a:defRPr/>
               </a:pPr>
-              <a:t>2/10/2023</a:t>
+              <a:t>4/16/2024</a:t>
             </a:fld>
             <a:endParaRPr kumimoji="0" lang="en-US" sz="1200" b="0" i="0" u="none" strike="noStrike" kern="1200" cap="none" spc="0" normalizeH="0" baseline="0" noProof="0" dirty="0">
               <a:ln>
@@ -1649,7 +1649,7 @@
                 <a:tabLst/>
                 <a:defRPr/>
               </a:pPr>
-              <a:t>2/10/2023</a:t>
+              <a:t>4/16/2024</a:t>
             </a:fld>
             <a:endParaRPr kumimoji="0" lang="en-US" sz="1200" b="0" i="0" u="none" strike="noStrike" kern="1200" cap="none" spc="0" normalizeH="0" baseline="0" noProof="0" dirty="0">
               <a:ln>
@@ -1980,7 +1980,7 @@
                 <a:tabLst/>
                 <a:defRPr/>
               </a:pPr>
-              <a:t>2/10/2023</a:t>
+              <a:t>4/16/2024</a:t>
             </a:fld>
             <a:endParaRPr kumimoji="0" lang="en-US" sz="1200" b="0" i="0" u="none" strike="noStrike" kern="1200" cap="none" spc="0" normalizeH="0" baseline="0" noProof="0" dirty="0">
               <a:ln>
@@ -2311,7 +2311,7 @@
                 <a:tabLst/>
                 <a:defRPr/>
               </a:pPr>
-              <a:t>2/10/2023</a:t>
+              <a:t>4/16/2024</a:t>
             </a:fld>
             <a:endParaRPr kumimoji="0" lang="en-US" sz="1200" b="0" i="0" u="none" strike="noStrike" kern="1200" cap="none" spc="0" normalizeH="0" baseline="0" noProof="0" dirty="0">
               <a:ln>
@@ -2645,7 +2645,7 @@
                 <a:tabLst/>
                 <a:defRPr/>
               </a:pPr>
-              <a:t>2/10/2023</a:t>
+              <a:t>4/16/2024</a:t>
             </a:fld>
             <a:endParaRPr kumimoji="0" lang="en-US" sz="1200" b="0" i="0" u="none" strike="noStrike" kern="1200" cap="none" spc="0" normalizeH="0" baseline="0" noProof="0" dirty="0">
               <a:ln>
@@ -2976,7 +2976,7 @@
                 <a:tabLst/>
                 <a:defRPr/>
               </a:pPr>
-              <a:t>2/10/2023</a:t>
+              <a:t>4/16/2024</a:t>
             </a:fld>
             <a:endParaRPr kumimoji="0" lang="en-US" sz="1200" b="0" i="0" u="none" strike="noStrike" kern="1200" cap="none" spc="0" normalizeH="0" baseline="0" noProof="0" dirty="0">
               <a:ln>
@@ -3310,7 +3310,7 @@
                 <a:tabLst/>
                 <a:defRPr/>
               </a:pPr>
-              <a:t>2/10/2023</a:t>
+              <a:t>4/16/2024</a:t>
             </a:fld>
             <a:endParaRPr kumimoji="0" lang="en-US" sz="1200" b="0" i="0" u="none" strike="noStrike" kern="1200" cap="none" spc="0" normalizeH="0" baseline="0" noProof="0" dirty="0">
               <a:ln>
@@ -4352,7 +4352,7 @@
           <a:p>
             <a:fld id="{B1DF5501-EE91-4443-9D3B-24E6F28D34E2}" type="datetime1">
               <a:rPr lang="en-US" smtClean="0"/>
-              <a:t>2/10/2023</a:t>
+              <a:t>4/16/2024</a:t>
             </a:fld>
             <a:endParaRPr lang="en-US" dirty="0"/>
           </a:p>
@@ -4618,7 +4618,7 @@
           <a:p>
             <a:fld id="{E954E1E9-8456-43AD-BA28-861520D256B9}" type="datetime1">
               <a:rPr lang="en-US" smtClean="0"/>
-              <a:t>2/10/2023</a:t>
+              <a:t>4/16/2024</a:t>
             </a:fld>
             <a:endParaRPr lang="en-US" dirty="0"/>
           </a:p>
@@ -4936,7 +4936,7 @@
           <a:p>
             <a:fld id="{FAF31E0C-AAFD-4E63-B3AE-16CD757951F4}" type="datetime1">
               <a:rPr lang="en-US" smtClean="0"/>
-              <a:t>2/10/2023</a:t>
+              <a:t>4/16/2024</a:t>
             </a:fld>
             <a:endParaRPr lang="en-US" dirty="0"/>
           </a:p>
@@ -5281,7 +5281,7 @@
           <a:p>
             <a:fld id="{000084FF-4715-4B6E-BD22-453621E5873F}" type="datetime1">
               <a:rPr lang="en-US" smtClean="0"/>
-              <a:t>2/10/2023</a:t>
+              <a:t>4/16/2024</a:t>
             </a:fld>
             <a:endParaRPr lang="en-US" dirty="0"/>
           </a:p>
@@ -5599,7 +5599,7 @@
           <a:p>
             <a:fld id="{6AC37F8D-4DF5-4AB6-A766-5A84B3D74A3B}" type="datetime1">
               <a:rPr lang="en-US" smtClean="0"/>
-              <a:t>2/10/2023</a:t>
+              <a:t>4/16/2024</a:t>
             </a:fld>
             <a:endParaRPr lang="en-US" dirty="0"/>
           </a:p>
@@ -5996,7 +5996,7 @@
           <a:p>
             <a:fld id="{1BF3CD1A-162D-40B2-9B22-9056F77C27F2}" type="datetime1">
               <a:rPr lang="en-US" smtClean="0"/>
-              <a:t>2/10/2023</a:t>
+              <a:t>4/16/2024</a:t>
             </a:fld>
             <a:endParaRPr lang="en-US" dirty="0"/>
           </a:p>
@@ -6170,7 +6170,7 @@
           <a:p>
             <a:fld id="{D42E4200-B1E5-4E39-8279-05DD69810A37}" type="datetime1">
               <a:rPr lang="en-US" smtClean="0"/>
-              <a:t>2/10/2023</a:t>
+              <a:t>4/16/2024</a:t>
             </a:fld>
             <a:endParaRPr lang="en-US" dirty="0"/>
           </a:p>
@@ -6353,7 +6353,7 @@
           <a:p>
             <a:fld id="{47CF7895-00AC-42E5-9790-7B0E3CE09DF2}" type="datetime1">
               <a:rPr lang="en-US" smtClean="0"/>
-              <a:t>2/10/2023</a:t>
+              <a:t>4/16/2024</a:t>
             </a:fld>
             <a:endParaRPr lang="en-US" dirty="0"/>
           </a:p>
@@ -6532,7 +6532,7 @@
           <a:p>
             <a:fld id="{A7119916-CD40-456D-ABE3-55F8822671F7}" type="datetime1">
               <a:rPr lang="en-US" smtClean="0"/>
-              <a:t>2/10/2023</a:t>
+              <a:t>4/16/2024</a:t>
             </a:fld>
             <a:endParaRPr lang="en-US" dirty="0"/>
           </a:p>
@@ -6782,7 +6782,7 @@
           <a:p>
             <a:fld id="{3F9A13D6-B8C2-463B-B3F7-C62E098B328E}" type="datetime1">
               <a:rPr lang="en-US" smtClean="0"/>
-              <a:t>2/10/2023</a:t>
+              <a:t>4/16/2024</a:t>
             </a:fld>
             <a:endParaRPr lang="en-US" dirty="0"/>
           </a:p>
@@ -7017,7 +7017,7 @@
           <a:p>
             <a:fld id="{D2B63420-31EE-4E4B-911C-2601B14D9FDD}" type="datetime1">
               <a:rPr lang="en-US" smtClean="0"/>
-              <a:t>2/10/2023</a:t>
+              <a:t>4/16/2024</a:t>
             </a:fld>
             <a:endParaRPr lang="en-US" dirty="0"/>
           </a:p>
@@ -7394,7 +7394,7 @@
           <a:p>
             <a:fld id="{2DD8986D-86F8-41E6-8CFF-8C91AEF92622}" type="datetime1">
               <a:rPr lang="en-US" smtClean="0"/>
-              <a:t>2/10/2023</a:t>
+              <a:t>4/16/2024</a:t>
             </a:fld>
             <a:endParaRPr lang="en-US" dirty="0"/>
           </a:p>
@@ -7520,7 +7520,7 @@
           <a:p>
             <a:fld id="{BA885161-032E-4C6A-8EDA-39D168DF18E4}" type="datetime1">
               <a:rPr lang="en-US" smtClean="0"/>
-              <a:t>2/10/2023</a:t>
+              <a:t>4/16/2024</a:t>
             </a:fld>
             <a:endParaRPr lang="en-US" dirty="0"/>
           </a:p>
@@ -7618,7 +7618,7 @@
           <a:p>
             <a:fld id="{958E6740-E523-48D9-9C4E-6F218E87BAF3}" type="datetime1">
               <a:rPr lang="en-US" smtClean="0"/>
-              <a:t>2/10/2023</a:t>
+              <a:t>4/16/2024</a:t>
             </a:fld>
             <a:endParaRPr lang="en-US" dirty="0"/>
           </a:p>
@@ -7876,7 +7876,7 @@
           <a:p>
             <a:fld id="{6121D4CA-FF09-4CB8-8D51-2613D19A0F2E}" type="datetime1">
               <a:rPr lang="en-US" smtClean="0"/>
-              <a:t>2/10/2023</a:t>
+              <a:t>4/16/2024</a:t>
             </a:fld>
             <a:endParaRPr lang="en-US" dirty="0"/>
           </a:p>
@@ -8141,7 +8141,7 @@
           <a:p>
             <a:fld id="{8C4779EA-AEA7-43B3-9B65-A77E9A890421}" type="datetime1">
               <a:rPr lang="en-US" smtClean="0"/>
-              <a:t>2/10/2023</a:t>
+              <a:t>4/16/2024</a:t>
             </a:fld>
             <a:endParaRPr lang="en-US" dirty="0"/>
           </a:p>
@@ -8887,7 +8887,7 @@
           <a:p>
             <a:fld id="{059A67F1-3EA0-4026-BE6A-31EE4E1B1DB5}" type="datetime1">
               <a:rPr lang="en-US" smtClean="0"/>
-              <a:t>2/10/2023</a:t>
+              <a:t>4/16/2024</a:t>
             </a:fld>
             <a:endParaRPr lang="en-US" dirty="0"/>
           </a:p>
@@ -9641,7 +9641,7 @@
                 <a:tabLst/>
                 <a:defRPr/>
               </a:pPr>
-              <a:t>2/10/2023</a:t>
+              <a:t>4/16/2024</a:t>
             </a:fld>
             <a:endParaRPr kumimoji="0" lang="en-US" sz="900" b="0" i="0" u="none" strike="noStrike" kern="1200" cap="none" spc="0" normalizeH="0" baseline="0" noProof="0" dirty="0">
               <a:ln>
@@ -10008,7 +10008,7 @@
           <a:p>
             <a:fld id="{A7119916-CD40-456D-ABE3-55F8822671F7}" type="datetime1">
               <a:rPr lang="en-US" smtClean="0"/>
-              <a:t>2/10/2023</a:t>
+              <a:t>4/16/2024</a:t>
             </a:fld>
             <a:endParaRPr lang="en-US" dirty="0"/>
           </a:p>
@@ -10337,7 +10337,7 @@
           <a:p>
             <a:fld id="{A7119916-CD40-456D-ABE3-55F8822671F7}" type="datetime1">
               <a:rPr lang="en-US" smtClean="0"/>
-              <a:t>2/10/2023</a:t>
+              <a:t>4/16/2024</a:t>
             </a:fld>
             <a:endParaRPr lang="en-US" dirty="0"/>
           </a:p>
@@ -10596,7 +10596,7 @@
           <a:p>
             <a:fld id="{A7119916-CD40-456D-ABE3-55F8822671F7}" type="datetime1">
               <a:rPr lang="en-US" smtClean="0"/>
-              <a:t>2/10/2023</a:t>
+              <a:t>4/16/2024</a:t>
             </a:fld>
             <a:endParaRPr lang="en-US" dirty="0"/>
           </a:p>
@@ -10844,7 +10844,7 @@
           <a:p>
             <a:fld id="{A7119916-CD40-456D-ABE3-55F8822671F7}" type="datetime1">
               <a:rPr lang="en-US" smtClean="0"/>
-              <a:t>2/10/2023</a:t>
+              <a:t>4/16/2024</a:t>
             </a:fld>
             <a:endParaRPr lang="en-US" dirty="0"/>
           </a:p>
@@ -10996,7 +10996,7 @@
           <a:p>
             <a:fld id="{A7119916-CD40-456D-ABE3-55F8822671F7}" type="datetime1">
               <a:rPr lang="en-US" smtClean="0"/>
-              <a:t>2/10/2023</a:t>
+              <a:t>4/16/2024</a:t>
             </a:fld>
             <a:endParaRPr lang="en-US" dirty="0"/>
           </a:p>
@@ -11228,7 +11228,7 @@
           <a:p>
             <a:fld id="{A7119916-CD40-456D-ABE3-55F8822671F7}" type="datetime1">
               <a:rPr lang="en-US" smtClean="0"/>
-              <a:t>2/10/2023</a:t>
+              <a:t>4/16/2024</a:t>
             </a:fld>
             <a:endParaRPr lang="en-US" dirty="0"/>
           </a:p>
@@ -11574,7 +11574,7 @@
           <a:p>
             <a:fld id="{A7119916-CD40-456D-ABE3-55F8822671F7}" type="datetime1">
               <a:rPr lang="en-US" smtClean="0"/>
-              <a:t>2/10/2023</a:t>
+              <a:t>4/16/2024</a:t>
             </a:fld>
             <a:endParaRPr lang="en-US" dirty="0"/>
           </a:p>
@@ -11752,7 +11752,7 @@
           <a:p>
             <a:fld id="{A7119916-CD40-456D-ABE3-55F8822671F7}" type="datetime1">
               <a:rPr lang="en-US" smtClean="0"/>
-              <a:t>2/10/2023</a:t>
+              <a:t>4/16/2024</a:t>
             </a:fld>
             <a:endParaRPr lang="en-US" dirty="0"/>
           </a:p>
@@ -11959,7 +11959,7 @@
           <a:p>
             <a:fld id="{A7119916-CD40-456D-ABE3-55F8822671F7}" type="datetime1">
               <a:rPr lang="en-US" smtClean="0"/>
-              <a:t>2/10/2023</a:t>
+              <a:t>4/16/2024</a:t>
             </a:fld>
             <a:endParaRPr lang="en-US" dirty="0"/>
           </a:p>
@@ -12558,55 +12558,22 @@
         </p:spPr>
         <p:txBody>
           <a:bodyPr>
-            <a:normAutofit lnSpcReduction="10000"/>
+            <a:normAutofit/>
           </a:bodyPr>
           <a:lstStyle/>
           <a:p>
             <a:r>
-              <a:rPr lang="en-US" sz="2800" dirty="0">
+              <a:rPr lang="en-US" sz="4000" dirty="0">
                 <a:solidFill>
                   <a:schemeClr val="tx1"/>
                 </a:solidFill>
               </a:rPr>
-              <a:t>Navigational Improvements</a:t>
-            </a:r>
-          </a:p>
-          <a:p>
-            <a:pPr lvl="1"/>
-            <a:r>
-              <a:rPr lang="en-US" sz="2800" dirty="0">
-                <a:solidFill>
-                  <a:schemeClr val="tx1"/>
-                </a:solidFill>
-              </a:rPr>
-              <a:t>Speedups – async audio</a:t>
-            </a:r>
-          </a:p>
-          <a:p>
-            <a:pPr lvl="1"/>
-            <a:r>
-              <a:rPr lang="en-US" sz="2800" dirty="0">
-                <a:solidFill>
-                  <a:schemeClr val="tx1"/>
-                </a:solidFill>
-              </a:rPr>
-              <a:t>Stereo audio feedback, distance, direction, feedback</a:t>
-            </a:r>
-          </a:p>
-          <a:p>
-            <a:pPr lvl="1"/>
-            <a:r>
-              <a:rPr lang="en-US" sz="2800" dirty="0">
-                <a:solidFill>
-                  <a:schemeClr val="tx1"/>
-                </a:solidFill>
-              </a:rPr>
-              <a:t>More intelligent/automatic scanning</a:t>
-            </a:r>
-          </a:p>
-          <a:p>
-            <a:r>
-              <a:rPr lang="en-US" sz="2800" dirty="0">
+              <a:t>Better Screen Reader Support</a:t>
+            </a:r>
+          </a:p>
+          <a:p>
+            <a:r>
+              <a:rPr lang="en-US" sz="4000" dirty="0">
                 <a:solidFill>
                   <a:schemeClr val="tx1"/>
                 </a:solidFill>
@@ -12617,28 +12584,12 @@
           <a:p>
             <a:pPr lvl="1"/>
             <a:r>
-              <a:rPr lang="en-US" sz="2800" dirty="0">
+              <a:rPr lang="en-US" sz="4000" dirty="0">
                 <a:solidFill>
                   <a:schemeClr val="tx1"/>
                 </a:solidFill>
               </a:rPr>
-              <a:t>Real-time scaling region </a:t>
-            </a:r>
-            <a:r>
-              <a:rPr lang="en-US" sz="2800" dirty="0" err="1">
-                <a:solidFill>
-                  <a:schemeClr val="tx1"/>
-                </a:solidFill>
-              </a:rPr>
-              <a:t>maginification</a:t>
-            </a:r>
-            <a:r>
-              <a:rPr lang="en-US" sz="2800" dirty="0">
-                <a:solidFill>
-                  <a:schemeClr val="tx1"/>
-                </a:solidFill>
-              </a:rPr>
-              <a:t> / selection</a:t>
+              <a:t>Extended magnification</a:t>
             </a:r>
           </a:p>
           <a:p>
@@ -12725,7 +12676,7 @@
                 <a:tabLst/>
                 <a:defRPr/>
               </a:pPr>
-              <a:t>2/10/2023</a:t>
+              <a:t>4/16/2024</a:t>
             </a:fld>
             <a:endParaRPr kumimoji="0" lang="en-US" sz="900" b="0" i="0" u="none" strike="noStrike" kern="1200" cap="none" spc="0" normalizeH="0" baseline="0" noProof="0" dirty="0">
               <a:ln>
@@ -13181,7 +13132,7 @@
                 <a:tabLst/>
                 <a:defRPr/>
               </a:pPr>
-              <a:t>2/10/2023</a:t>
+              <a:t>4/16/2024</a:t>
             </a:fld>
             <a:endParaRPr kumimoji="0" lang="en-US" sz="900" b="0" i="0" u="none" strike="noStrike" kern="1200" cap="none" spc="0" normalizeH="0" baseline="0" noProof="0" dirty="0">
               <a:ln>
@@ -13478,7 +13429,7 @@
           <a:p>
             <a:fld id="{A7119916-CD40-456D-ABE3-55F8822671F7}" type="datetime1">
               <a:rPr lang="en-US" smtClean="0"/>
-              <a:t>2/10/2023</a:t>
+              <a:t>4/16/2024</a:t>
             </a:fld>
             <a:endParaRPr lang="en-US" dirty="0"/>
           </a:p>
@@ -13754,7 +13705,7 @@
                 <a:tabLst/>
                 <a:defRPr/>
               </a:pPr>
-              <a:t>2/10/2023</a:t>
+              <a:t>4/16/2024</a:t>
             </a:fld>
             <a:endParaRPr kumimoji="0" lang="en-US" sz="900" b="0" i="0" u="none" strike="noStrike" kern="1200" cap="none" spc="0" normalizeH="0" baseline="0" noProof="0" dirty="0">
               <a:ln>
@@ -14144,7 +14095,7 @@
                 <a:tabLst/>
                 <a:defRPr/>
               </a:pPr>
-              <a:t>2/10/2023</a:t>
+              <a:t>4/16/2024</a:t>
             </a:fld>
             <a:endParaRPr kumimoji="0" lang="en-US" sz="900" b="0" i="0" u="none" strike="noStrike" kern="1200" cap="none" spc="0" normalizeH="0" baseline="0" noProof="0" dirty="0">
               <a:ln>
@@ -14520,7 +14471,7 @@
                 <a:tabLst/>
                 <a:defRPr/>
               </a:pPr>
-              <a:t>2/10/2023</a:t>
+              <a:t>4/16/2024</a:t>
             </a:fld>
             <a:endParaRPr kumimoji="0" lang="en-US" sz="900" b="0" i="0" u="none" strike="noStrike" kern="1200" cap="none" spc="0" normalizeH="0" baseline="0" noProof="0" dirty="0">
               <a:ln>
@@ -14906,7 +14857,7 @@
                 <a:tabLst/>
                 <a:defRPr/>
               </a:pPr>
-              <a:t>2/10/2023</a:t>
+              <a:t>4/16/2024</a:t>
             </a:fld>
             <a:endParaRPr kumimoji="0" lang="en-US" sz="900" b="0" i="0" u="none" strike="noStrike" kern="1200" cap="none" spc="0" normalizeH="0" baseline="0" noProof="0" dirty="0">
               <a:ln>
@@ -15301,7 +15252,7 @@
                 <a:tabLst/>
                 <a:defRPr/>
               </a:pPr>
-              <a:t>2/10/2023</a:t>
+              <a:t>4/16/2024</a:t>
             </a:fld>
             <a:endParaRPr kumimoji="0" lang="en-US" sz="900" b="0" i="0" u="none" strike="noStrike" kern="1200" cap="none" spc="0" normalizeH="0" baseline="0" noProof="0" dirty="0">
               <a:ln>
@@ -15797,7 +15748,7 @@
                 <a:tabLst/>
                 <a:defRPr/>
               </a:pPr>
-              <a:t>2/10/2023</a:t>
+              <a:t>4/16/2024</a:t>
             </a:fld>
             <a:endParaRPr kumimoji="0" lang="en-US" sz="900" b="0" i="0" u="none" strike="noStrike" kern="1200" cap="none" spc="0" normalizeH="0" baseline="0" noProof="0" dirty="0">
               <a:ln>
@@ -16136,7 +16087,7 @@
                 <a:tabLst/>
                 <a:defRPr/>
               </a:pPr>
-              <a:t>2/10/2023</a:t>
+              <a:t>4/16/2024</a:t>
             </a:fld>
             <a:endParaRPr kumimoji="0" lang="en-US" sz="900" b="0" i="0" u="none" strike="noStrike" kern="1200" cap="none" spc="0" normalizeH="0" baseline="0" noProof="0" dirty="0">
               <a:ln>
